--- a/명세서최종.pptx
+++ b/명세서최종.pptx
@@ -121,7 +121,7 @@
   </p:defaultTextStyle>
   <p:extLst>
     <p:ext uri="{EFAFB233-063F-42B5-8137-9DF3F51BA10A}">
-      <p15:sldGuideLst xmlns:p15="http://schemas.microsoft.com/office/powerpoint/2012/main" xmlns="">
+      <p15:sldGuideLst xmlns="" xmlns:p15="http://schemas.microsoft.com/office/powerpoint/2012/main">
         <p15:guide id="1" orient="horz" pos="2160">
           <p15:clr>
             <a:srgbClr val="A4A3A4"/>
@@ -3434,28 +3434,28 @@
                 <a:gridCol w="1800200">
                   <a:extLst>
                     <a:ext uri="{9D8B030D-6E8A-4147-A177-3AD203B41FA5}">
-                      <a16:colId xmlns:a16="http://schemas.microsoft.com/office/drawing/2014/main" xmlns="" val="20000"/>
+                      <a16:colId xmlns="" xmlns:a16="http://schemas.microsoft.com/office/drawing/2014/main" val="20000"/>
                     </a:ext>
                   </a:extLst>
                 </a:gridCol>
                 <a:gridCol w="1800200">
                   <a:extLst>
                     <a:ext uri="{9D8B030D-6E8A-4147-A177-3AD203B41FA5}">
-                      <a16:colId xmlns:a16="http://schemas.microsoft.com/office/drawing/2014/main" xmlns="" val="20001"/>
+                      <a16:colId xmlns="" xmlns:a16="http://schemas.microsoft.com/office/drawing/2014/main" val="20001"/>
                     </a:ext>
                   </a:extLst>
                 </a:gridCol>
                 <a:gridCol w="1800200">
                   <a:extLst>
                     <a:ext uri="{9D8B030D-6E8A-4147-A177-3AD203B41FA5}">
-                      <a16:colId xmlns:a16="http://schemas.microsoft.com/office/drawing/2014/main" xmlns="" val="20002"/>
+                      <a16:colId xmlns="" xmlns:a16="http://schemas.microsoft.com/office/drawing/2014/main" val="20002"/>
                     </a:ext>
                   </a:extLst>
                 </a:gridCol>
                 <a:gridCol w="1800200">
                   <a:extLst>
                     <a:ext uri="{9D8B030D-6E8A-4147-A177-3AD203B41FA5}">
-                      <a16:colId xmlns:a16="http://schemas.microsoft.com/office/drawing/2014/main" xmlns="" val="20003"/>
+                      <a16:colId xmlns="" xmlns:a16="http://schemas.microsoft.com/office/drawing/2014/main" val="20003"/>
                     </a:ext>
                   </a:extLst>
                 </a:gridCol>
@@ -3739,7 +3739,7 @@
                 </a:tc>
                 <a:extLst>
                   <a:ext uri="{0D108BD9-81ED-4DB2-BD59-A6C34878D82A}">
-                    <a16:rowId xmlns:a16="http://schemas.microsoft.com/office/drawing/2014/main" xmlns="" val="10000"/>
+                    <a16:rowId xmlns="" xmlns:a16="http://schemas.microsoft.com/office/drawing/2014/main" val="10000"/>
                   </a:ext>
                 </a:extLst>
               </a:tr>
@@ -4085,7 +4085,7 @@
                 </a:tc>
                 <a:extLst>
                   <a:ext uri="{0D108BD9-81ED-4DB2-BD59-A6C34878D82A}">
-                    <a16:rowId xmlns:a16="http://schemas.microsoft.com/office/drawing/2014/main" xmlns="" val="10001"/>
+                    <a16:rowId xmlns="" xmlns:a16="http://schemas.microsoft.com/office/drawing/2014/main" val="10001"/>
                   </a:ext>
                 </a:extLst>
               </a:tr>
@@ -4428,7 +4428,7 @@
                 </a:tc>
                 <a:extLst>
                   <a:ext uri="{0D108BD9-81ED-4DB2-BD59-A6C34878D82A}">
-                    <a16:rowId xmlns:a16="http://schemas.microsoft.com/office/drawing/2014/main" xmlns="" val="59618035"/>
+                    <a16:rowId xmlns="" xmlns:a16="http://schemas.microsoft.com/office/drawing/2014/main" val="59618035"/>
                   </a:ext>
                 </a:extLst>
               </a:tr>
@@ -4741,7 +4741,7 @@
                 </a:tc>
                 <a:extLst>
                   <a:ext uri="{0D108BD9-81ED-4DB2-BD59-A6C34878D82A}">
-                    <a16:rowId xmlns:a16="http://schemas.microsoft.com/office/drawing/2014/main" xmlns="" val="1760905486"/>
+                    <a16:rowId xmlns="" xmlns:a16="http://schemas.microsoft.com/office/drawing/2014/main" val="1760905486"/>
                   </a:ext>
                 </a:extLst>
               </a:tr>
@@ -5035,7 +5035,7 @@
                 </a:tc>
                 <a:extLst>
                   <a:ext uri="{0D108BD9-81ED-4DB2-BD59-A6C34878D82A}">
-                    <a16:rowId xmlns:a16="http://schemas.microsoft.com/office/drawing/2014/main" xmlns="" val="2662931107"/>
+                    <a16:rowId xmlns="" xmlns:a16="http://schemas.microsoft.com/office/drawing/2014/main" val="2662931107"/>
                   </a:ext>
                 </a:extLst>
               </a:tr>
@@ -5332,7 +5332,7 @@
                 </a:tc>
                 <a:extLst>
                   <a:ext uri="{0D108BD9-81ED-4DB2-BD59-A6C34878D82A}">
-                    <a16:rowId xmlns:a16="http://schemas.microsoft.com/office/drawing/2014/main" xmlns="" val="2826184942"/>
+                    <a16:rowId xmlns="" xmlns:a16="http://schemas.microsoft.com/office/drawing/2014/main" val="2826184942"/>
                   </a:ext>
                 </a:extLst>
               </a:tr>
@@ -5650,7 +5650,7 @@
                 </a:tc>
                 <a:extLst>
                   <a:ext uri="{0D108BD9-81ED-4DB2-BD59-A6C34878D82A}">
-                    <a16:rowId xmlns:a16="http://schemas.microsoft.com/office/drawing/2014/main" xmlns="" val="1119249548"/>
+                    <a16:rowId xmlns="" xmlns:a16="http://schemas.microsoft.com/office/drawing/2014/main" val="1119249548"/>
                   </a:ext>
                 </a:extLst>
               </a:tr>
@@ -5888,7 +5888,7 @@
                 </a:tc>
                 <a:extLst>
                   <a:ext uri="{0D108BD9-81ED-4DB2-BD59-A6C34878D82A}">
-                    <a16:rowId xmlns:a16="http://schemas.microsoft.com/office/drawing/2014/main" xmlns="" val="10007"/>
+                    <a16:rowId xmlns="" xmlns:a16="http://schemas.microsoft.com/office/drawing/2014/main" val="10007"/>
                   </a:ext>
                 </a:extLst>
               </a:tr>
@@ -6202,7 +6202,7 @@
                 </a:tc>
                 <a:extLst>
                   <a:ext uri="{0D108BD9-81ED-4DB2-BD59-A6C34878D82A}">
-                    <a16:rowId xmlns:a16="http://schemas.microsoft.com/office/drawing/2014/main" xmlns="" val="10008"/>
+                    <a16:rowId xmlns="" xmlns:a16="http://schemas.microsoft.com/office/drawing/2014/main" val="10008"/>
                   </a:ext>
                 </a:extLst>
               </a:tr>
@@ -6499,7 +6499,7 @@
                 </a:tc>
                 <a:extLst>
                   <a:ext uri="{0D108BD9-81ED-4DB2-BD59-A6C34878D82A}">
-                    <a16:rowId xmlns:a16="http://schemas.microsoft.com/office/drawing/2014/main" xmlns="" val="10009"/>
+                    <a16:rowId xmlns="" xmlns:a16="http://schemas.microsoft.com/office/drawing/2014/main" val="10009"/>
                   </a:ext>
                 </a:extLst>
               </a:tr>
@@ -6789,7 +6789,7 @@
                 </a:tc>
                 <a:extLst>
                   <a:ext uri="{0D108BD9-81ED-4DB2-BD59-A6C34878D82A}">
-                    <a16:rowId xmlns:a16="http://schemas.microsoft.com/office/drawing/2014/main" xmlns="" val="10010"/>
+                    <a16:rowId xmlns="" xmlns:a16="http://schemas.microsoft.com/office/drawing/2014/main" val="10010"/>
                   </a:ext>
                 </a:extLst>
               </a:tr>
@@ -7178,21 +7178,21 @@
                 <a:gridCol w="269487">
                   <a:extLst>
                     <a:ext uri="{9D8B030D-6E8A-4147-A177-3AD203B41FA5}">
-                      <a16:colId xmlns:a16="http://schemas.microsoft.com/office/drawing/2014/main" xmlns="" val="20000"/>
+                      <a16:colId xmlns="" xmlns:a16="http://schemas.microsoft.com/office/drawing/2014/main" val="20000"/>
                     </a:ext>
                   </a:extLst>
                 </a:gridCol>
                 <a:gridCol w="2160240">
                   <a:extLst>
                     <a:ext uri="{9D8B030D-6E8A-4147-A177-3AD203B41FA5}">
-                      <a16:colId xmlns:a16="http://schemas.microsoft.com/office/drawing/2014/main" xmlns="" val="20001"/>
+                      <a16:colId xmlns="" xmlns:a16="http://schemas.microsoft.com/office/drawing/2014/main" val="20001"/>
                     </a:ext>
                   </a:extLst>
                 </a:gridCol>
                 <a:gridCol w="327277">
                   <a:extLst>
                     <a:ext uri="{9D8B030D-6E8A-4147-A177-3AD203B41FA5}">
-                      <a16:colId xmlns:a16="http://schemas.microsoft.com/office/drawing/2014/main" xmlns="" val="20002"/>
+                      <a16:colId xmlns="" xmlns:a16="http://schemas.microsoft.com/office/drawing/2014/main" val="20002"/>
                     </a:ext>
                   </a:extLst>
                 </a:gridCol>
@@ -7394,7 +7394,7 @@
                 </a:tc>
                 <a:extLst>
                   <a:ext uri="{0D108BD9-81ED-4DB2-BD59-A6C34878D82A}">
-                    <a16:rowId xmlns:a16="http://schemas.microsoft.com/office/drawing/2014/main" xmlns="" val="10000"/>
+                    <a16:rowId xmlns="" xmlns:a16="http://schemas.microsoft.com/office/drawing/2014/main" val="10000"/>
                   </a:ext>
                 </a:extLst>
               </a:tr>
@@ -7620,7 +7620,7 @@
                 </a:tc>
                 <a:extLst>
                   <a:ext uri="{0D108BD9-81ED-4DB2-BD59-A6C34878D82A}">
-                    <a16:rowId xmlns:a16="http://schemas.microsoft.com/office/drawing/2014/main" xmlns="" val="10001"/>
+                    <a16:rowId xmlns="" xmlns:a16="http://schemas.microsoft.com/office/drawing/2014/main" val="10001"/>
                   </a:ext>
                 </a:extLst>
               </a:tr>
@@ -7860,7 +7860,7 @@
                 </a:tc>
                 <a:extLst>
                   <a:ext uri="{0D108BD9-81ED-4DB2-BD59-A6C34878D82A}">
-                    <a16:rowId xmlns:a16="http://schemas.microsoft.com/office/drawing/2014/main" xmlns="" val="59618035"/>
+                    <a16:rowId xmlns="" xmlns:a16="http://schemas.microsoft.com/office/drawing/2014/main" val="59618035"/>
                   </a:ext>
                 </a:extLst>
               </a:tr>
@@ -8202,21 +8202,21 @@
                 <a:gridCol w="269487">
                   <a:extLst>
                     <a:ext uri="{9D8B030D-6E8A-4147-A177-3AD203B41FA5}">
-                      <a16:colId xmlns:a16="http://schemas.microsoft.com/office/drawing/2014/main" xmlns="" val="20000"/>
+                      <a16:colId xmlns="" xmlns:a16="http://schemas.microsoft.com/office/drawing/2014/main" val="20000"/>
                     </a:ext>
                   </a:extLst>
                 </a:gridCol>
                 <a:gridCol w="2160240">
                   <a:extLst>
                     <a:ext uri="{9D8B030D-6E8A-4147-A177-3AD203B41FA5}">
-                      <a16:colId xmlns:a16="http://schemas.microsoft.com/office/drawing/2014/main" xmlns="" val="20001"/>
+                      <a16:colId xmlns="" xmlns:a16="http://schemas.microsoft.com/office/drawing/2014/main" val="20001"/>
                     </a:ext>
                   </a:extLst>
                 </a:gridCol>
                 <a:gridCol w="327277">
                   <a:extLst>
                     <a:ext uri="{9D8B030D-6E8A-4147-A177-3AD203B41FA5}">
-                      <a16:colId xmlns:a16="http://schemas.microsoft.com/office/drawing/2014/main" xmlns="" val="20002"/>
+                      <a16:colId xmlns="" xmlns:a16="http://schemas.microsoft.com/office/drawing/2014/main" val="20002"/>
                     </a:ext>
                   </a:extLst>
                 </a:gridCol>
@@ -8418,7 +8418,7 @@
                 </a:tc>
                 <a:extLst>
                   <a:ext uri="{0D108BD9-81ED-4DB2-BD59-A6C34878D82A}">
-                    <a16:rowId xmlns:a16="http://schemas.microsoft.com/office/drawing/2014/main" xmlns="" val="10000"/>
+                    <a16:rowId xmlns="" xmlns:a16="http://schemas.microsoft.com/office/drawing/2014/main" val="10000"/>
                   </a:ext>
                 </a:extLst>
               </a:tr>
@@ -8644,7 +8644,7 @@
                 </a:tc>
                 <a:extLst>
                   <a:ext uri="{0D108BD9-81ED-4DB2-BD59-A6C34878D82A}">
-                    <a16:rowId xmlns:a16="http://schemas.microsoft.com/office/drawing/2014/main" xmlns="" val="10001"/>
+                    <a16:rowId xmlns="" xmlns:a16="http://schemas.microsoft.com/office/drawing/2014/main" val="10001"/>
                   </a:ext>
                 </a:extLst>
               </a:tr>
@@ -8884,7 +8884,7 @@
                 </a:tc>
                 <a:extLst>
                   <a:ext uri="{0D108BD9-81ED-4DB2-BD59-A6C34878D82A}">
-                    <a16:rowId xmlns:a16="http://schemas.microsoft.com/office/drawing/2014/main" xmlns="" val="59618035"/>
+                    <a16:rowId xmlns="" xmlns:a16="http://schemas.microsoft.com/office/drawing/2014/main" val="59618035"/>
                   </a:ext>
                 </a:extLst>
               </a:tr>
@@ -9274,21 +9274,21 @@
                 <a:gridCol w="269487">
                   <a:extLst>
                     <a:ext uri="{9D8B030D-6E8A-4147-A177-3AD203B41FA5}">
-                      <a16:colId xmlns:a16="http://schemas.microsoft.com/office/drawing/2014/main" xmlns="" val="20000"/>
+                      <a16:colId xmlns="" xmlns:a16="http://schemas.microsoft.com/office/drawing/2014/main" val="20000"/>
                     </a:ext>
                   </a:extLst>
                 </a:gridCol>
                 <a:gridCol w="2160240">
                   <a:extLst>
                     <a:ext uri="{9D8B030D-6E8A-4147-A177-3AD203B41FA5}">
-                      <a16:colId xmlns:a16="http://schemas.microsoft.com/office/drawing/2014/main" xmlns="" val="20001"/>
+                      <a16:colId xmlns="" xmlns:a16="http://schemas.microsoft.com/office/drawing/2014/main" val="20001"/>
                     </a:ext>
                   </a:extLst>
                 </a:gridCol>
                 <a:gridCol w="327277">
                   <a:extLst>
                     <a:ext uri="{9D8B030D-6E8A-4147-A177-3AD203B41FA5}">
-                      <a16:colId xmlns:a16="http://schemas.microsoft.com/office/drawing/2014/main" xmlns="" val="20002"/>
+                      <a16:colId xmlns="" xmlns:a16="http://schemas.microsoft.com/office/drawing/2014/main" val="20002"/>
                     </a:ext>
                   </a:extLst>
                 </a:gridCol>
@@ -9490,7 +9490,7 @@
                 </a:tc>
                 <a:extLst>
                   <a:ext uri="{0D108BD9-81ED-4DB2-BD59-A6C34878D82A}">
-                    <a16:rowId xmlns:a16="http://schemas.microsoft.com/office/drawing/2014/main" xmlns="" val="10000"/>
+                    <a16:rowId xmlns="" xmlns:a16="http://schemas.microsoft.com/office/drawing/2014/main" val="10000"/>
                   </a:ext>
                 </a:extLst>
               </a:tr>
@@ -9716,7 +9716,7 @@
                 </a:tc>
                 <a:extLst>
                   <a:ext uri="{0D108BD9-81ED-4DB2-BD59-A6C34878D82A}">
-                    <a16:rowId xmlns:a16="http://schemas.microsoft.com/office/drawing/2014/main" xmlns="" val="10001"/>
+                    <a16:rowId xmlns="" xmlns:a16="http://schemas.microsoft.com/office/drawing/2014/main" val="10001"/>
                   </a:ext>
                 </a:extLst>
               </a:tr>
@@ -9956,7 +9956,7 @@
                 </a:tc>
                 <a:extLst>
                   <a:ext uri="{0D108BD9-81ED-4DB2-BD59-A6C34878D82A}">
-                    <a16:rowId xmlns:a16="http://schemas.microsoft.com/office/drawing/2014/main" xmlns="" val="59618035"/>
+                    <a16:rowId xmlns="" xmlns:a16="http://schemas.microsoft.com/office/drawing/2014/main" val="59618035"/>
                   </a:ext>
                 </a:extLst>
               </a:tr>
@@ -10559,21 +10559,21 @@
                 <a:gridCol w="269487">
                   <a:extLst>
                     <a:ext uri="{9D8B030D-6E8A-4147-A177-3AD203B41FA5}">
-                      <a16:colId xmlns:a16="http://schemas.microsoft.com/office/drawing/2014/main" xmlns="" val="20000"/>
+                      <a16:colId xmlns="" xmlns:a16="http://schemas.microsoft.com/office/drawing/2014/main" val="20000"/>
                     </a:ext>
                   </a:extLst>
                 </a:gridCol>
                 <a:gridCol w="2160240">
                   <a:extLst>
                     <a:ext uri="{9D8B030D-6E8A-4147-A177-3AD203B41FA5}">
-                      <a16:colId xmlns:a16="http://schemas.microsoft.com/office/drawing/2014/main" xmlns="" val="20001"/>
+                      <a16:colId xmlns="" xmlns:a16="http://schemas.microsoft.com/office/drawing/2014/main" val="20001"/>
                     </a:ext>
                   </a:extLst>
                 </a:gridCol>
                 <a:gridCol w="327277">
                   <a:extLst>
                     <a:ext uri="{9D8B030D-6E8A-4147-A177-3AD203B41FA5}">
-                      <a16:colId xmlns:a16="http://schemas.microsoft.com/office/drawing/2014/main" xmlns="" val="20002"/>
+                      <a16:colId xmlns="" xmlns:a16="http://schemas.microsoft.com/office/drawing/2014/main" val="20002"/>
                     </a:ext>
                   </a:extLst>
                 </a:gridCol>
@@ -10775,7 +10775,7 @@
                 </a:tc>
                 <a:extLst>
                   <a:ext uri="{0D108BD9-81ED-4DB2-BD59-A6C34878D82A}">
-                    <a16:rowId xmlns:a16="http://schemas.microsoft.com/office/drawing/2014/main" xmlns="" val="10000"/>
+                    <a16:rowId xmlns="" xmlns:a16="http://schemas.microsoft.com/office/drawing/2014/main" val="10000"/>
                   </a:ext>
                 </a:extLst>
               </a:tr>
@@ -11001,7 +11001,7 @@
                 </a:tc>
                 <a:extLst>
                   <a:ext uri="{0D108BD9-81ED-4DB2-BD59-A6C34878D82A}">
-                    <a16:rowId xmlns:a16="http://schemas.microsoft.com/office/drawing/2014/main" xmlns="" val="10001"/>
+                    <a16:rowId xmlns="" xmlns:a16="http://schemas.microsoft.com/office/drawing/2014/main" val="10001"/>
                   </a:ext>
                 </a:extLst>
               </a:tr>
@@ -11267,7 +11267,7 @@
                 </a:tc>
                 <a:extLst>
                   <a:ext uri="{0D108BD9-81ED-4DB2-BD59-A6C34878D82A}">
-                    <a16:rowId xmlns:a16="http://schemas.microsoft.com/office/drawing/2014/main" xmlns="" val="59618035"/>
+                    <a16:rowId xmlns="" xmlns:a16="http://schemas.microsoft.com/office/drawing/2014/main" val="59618035"/>
                   </a:ext>
                 </a:extLst>
               </a:tr>
@@ -11496,7 +11496,7 @@
                 </a:tc>
                 <a:extLst>
                   <a:ext uri="{0D108BD9-81ED-4DB2-BD59-A6C34878D82A}">
-                    <a16:rowId xmlns:a16="http://schemas.microsoft.com/office/drawing/2014/main" xmlns="" val="1760905486"/>
+                    <a16:rowId xmlns="" xmlns:a16="http://schemas.microsoft.com/office/drawing/2014/main" val="1760905486"/>
                   </a:ext>
                 </a:extLst>
               </a:tr>
@@ -11705,7 +11705,7 @@
                 </a:tc>
                 <a:extLst>
                   <a:ext uri="{0D108BD9-81ED-4DB2-BD59-A6C34878D82A}">
-                    <a16:rowId xmlns:a16="http://schemas.microsoft.com/office/drawing/2014/main" xmlns="" val="2662931107"/>
+                    <a16:rowId xmlns="" xmlns:a16="http://schemas.microsoft.com/office/drawing/2014/main" val="2662931107"/>
                   </a:ext>
                 </a:extLst>
               </a:tr>
@@ -11924,7 +11924,7 @@
                 </a:tc>
                 <a:extLst>
                   <a:ext uri="{0D108BD9-81ED-4DB2-BD59-A6C34878D82A}">
-                    <a16:rowId xmlns:a16="http://schemas.microsoft.com/office/drawing/2014/main" xmlns="" val="2826184942"/>
+                    <a16:rowId xmlns="" xmlns:a16="http://schemas.microsoft.com/office/drawing/2014/main" val="2826184942"/>
                   </a:ext>
                 </a:extLst>
               </a:tr>
@@ -12189,7 +12189,7 @@
                 </a:tc>
                 <a:extLst>
                   <a:ext uri="{0D108BD9-81ED-4DB2-BD59-A6C34878D82A}">
-                    <a16:rowId xmlns:a16="http://schemas.microsoft.com/office/drawing/2014/main" xmlns="" val="1119249548"/>
+                    <a16:rowId xmlns="" xmlns:a16="http://schemas.microsoft.com/office/drawing/2014/main" val="1119249548"/>
                   </a:ext>
                 </a:extLst>
               </a:tr>
@@ -12408,7 +12408,7 @@
                 </a:tc>
                 <a:extLst>
                   <a:ext uri="{0D108BD9-81ED-4DB2-BD59-A6C34878D82A}">
-                    <a16:rowId xmlns:a16="http://schemas.microsoft.com/office/drawing/2014/main" xmlns="" val="10007"/>
+                    <a16:rowId xmlns="" xmlns:a16="http://schemas.microsoft.com/office/drawing/2014/main" val="10007"/>
                   </a:ext>
                 </a:extLst>
               </a:tr>
@@ -12627,7 +12627,7 @@
                 </a:tc>
                 <a:extLst>
                   <a:ext uri="{0D108BD9-81ED-4DB2-BD59-A6C34878D82A}">
-                    <a16:rowId xmlns:a16="http://schemas.microsoft.com/office/drawing/2014/main" xmlns="" val="10008"/>
+                    <a16:rowId xmlns="" xmlns:a16="http://schemas.microsoft.com/office/drawing/2014/main" val="10008"/>
                   </a:ext>
                 </a:extLst>
               </a:tr>
@@ -12846,7 +12846,7 @@
                 </a:tc>
                 <a:extLst>
                   <a:ext uri="{0D108BD9-81ED-4DB2-BD59-A6C34878D82A}">
-                    <a16:rowId xmlns:a16="http://schemas.microsoft.com/office/drawing/2014/main" xmlns="" val="10009"/>
+                    <a16:rowId xmlns="" xmlns:a16="http://schemas.microsoft.com/office/drawing/2014/main" val="10009"/>
                   </a:ext>
                 </a:extLst>
               </a:tr>
@@ -13215,21 +13215,21 @@
                 <a:gridCol w="269487">
                   <a:extLst>
                     <a:ext uri="{9D8B030D-6E8A-4147-A177-3AD203B41FA5}">
-                      <a16:colId xmlns:a16="http://schemas.microsoft.com/office/drawing/2014/main" xmlns="" val="20000"/>
+                      <a16:colId xmlns="" xmlns:a16="http://schemas.microsoft.com/office/drawing/2014/main" val="20000"/>
                     </a:ext>
                   </a:extLst>
                 </a:gridCol>
                 <a:gridCol w="2160240">
                   <a:extLst>
                     <a:ext uri="{9D8B030D-6E8A-4147-A177-3AD203B41FA5}">
-                      <a16:colId xmlns:a16="http://schemas.microsoft.com/office/drawing/2014/main" xmlns="" val="20001"/>
+                      <a16:colId xmlns="" xmlns:a16="http://schemas.microsoft.com/office/drawing/2014/main" val="20001"/>
                     </a:ext>
                   </a:extLst>
                 </a:gridCol>
                 <a:gridCol w="327277">
                   <a:extLst>
                     <a:ext uri="{9D8B030D-6E8A-4147-A177-3AD203B41FA5}">
-                      <a16:colId xmlns:a16="http://schemas.microsoft.com/office/drawing/2014/main" xmlns="" val="20002"/>
+                      <a16:colId xmlns="" xmlns:a16="http://schemas.microsoft.com/office/drawing/2014/main" val="20002"/>
                     </a:ext>
                   </a:extLst>
                 </a:gridCol>
@@ -13431,7 +13431,7 @@
                 </a:tc>
                 <a:extLst>
                   <a:ext uri="{0D108BD9-81ED-4DB2-BD59-A6C34878D82A}">
-                    <a16:rowId xmlns:a16="http://schemas.microsoft.com/office/drawing/2014/main" xmlns="" val="10000"/>
+                    <a16:rowId xmlns="" xmlns:a16="http://schemas.microsoft.com/office/drawing/2014/main" val="10000"/>
                   </a:ext>
                 </a:extLst>
               </a:tr>
@@ -13653,7 +13653,7 @@
                 </a:tc>
                 <a:extLst>
                   <a:ext uri="{0D108BD9-81ED-4DB2-BD59-A6C34878D82A}">
-                    <a16:rowId xmlns:a16="http://schemas.microsoft.com/office/drawing/2014/main" xmlns="" val="10001"/>
+                    <a16:rowId xmlns="" xmlns:a16="http://schemas.microsoft.com/office/drawing/2014/main" val="10001"/>
                   </a:ext>
                 </a:extLst>
               </a:tr>
@@ -13879,7 +13879,7 @@
                 </a:tc>
                 <a:extLst>
                   <a:ext uri="{0D108BD9-81ED-4DB2-BD59-A6C34878D82A}">
-                    <a16:rowId xmlns:a16="http://schemas.microsoft.com/office/drawing/2014/main" xmlns="" val="59618035"/>
+                    <a16:rowId xmlns="" xmlns:a16="http://schemas.microsoft.com/office/drawing/2014/main" val="59618035"/>
                   </a:ext>
                 </a:extLst>
               </a:tr>
@@ -14108,7 +14108,7 @@
                 </a:tc>
                 <a:extLst>
                   <a:ext uri="{0D108BD9-81ED-4DB2-BD59-A6C34878D82A}">
-                    <a16:rowId xmlns:a16="http://schemas.microsoft.com/office/drawing/2014/main" xmlns="" val="1760905486"/>
+                    <a16:rowId xmlns="" xmlns:a16="http://schemas.microsoft.com/office/drawing/2014/main" val="1760905486"/>
                   </a:ext>
                 </a:extLst>
               </a:tr>
@@ -14695,21 +14695,21 @@
                 <a:gridCol w="216024">
                   <a:extLst>
                     <a:ext uri="{9D8B030D-6E8A-4147-A177-3AD203B41FA5}">
-                      <a16:colId xmlns:a16="http://schemas.microsoft.com/office/drawing/2014/main" xmlns="" val="20000"/>
+                      <a16:colId xmlns="" xmlns:a16="http://schemas.microsoft.com/office/drawing/2014/main" val="20000"/>
                     </a:ext>
                   </a:extLst>
                 </a:gridCol>
                 <a:gridCol w="2160240">
                   <a:extLst>
                     <a:ext uri="{9D8B030D-6E8A-4147-A177-3AD203B41FA5}">
-                      <a16:colId xmlns:a16="http://schemas.microsoft.com/office/drawing/2014/main" xmlns="" val="20001"/>
+                      <a16:colId xmlns="" xmlns:a16="http://schemas.microsoft.com/office/drawing/2014/main" val="20001"/>
                     </a:ext>
                   </a:extLst>
                 </a:gridCol>
                 <a:gridCol w="327277">
                   <a:extLst>
                     <a:ext uri="{9D8B030D-6E8A-4147-A177-3AD203B41FA5}">
-                      <a16:colId xmlns:a16="http://schemas.microsoft.com/office/drawing/2014/main" xmlns="" val="20002"/>
+                      <a16:colId xmlns="" xmlns:a16="http://schemas.microsoft.com/office/drawing/2014/main" val="20002"/>
                     </a:ext>
                   </a:extLst>
                 </a:gridCol>
@@ -14911,7 +14911,7 @@
                 </a:tc>
                 <a:extLst>
                   <a:ext uri="{0D108BD9-81ED-4DB2-BD59-A6C34878D82A}">
-                    <a16:rowId xmlns:a16="http://schemas.microsoft.com/office/drawing/2014/main" xmlns="" val="10000"/>
+                    <a16:rowId xmlns="" xmlns:a16="http://schemas.microsoft.com/office/drawing/2014/main" val="10000"/>
                   </a:ext>
                 </a:extLst>
               </a:tr>
@@ -15137,7 +15137,7 @@
                 </a:tc>
                 <a:extLst>
                   <a:ext uri="{0D108BD9-81ED-4DB2-BD59-A6C34878D82A}">
-                    <a16:rowId xmlns:a16="http://schemas.microsoft.com/office/drawing/2014/main" xmlns="" val="10001"/>
+                    <a16:rowId xmlns="" xmlns:a16="http://schemas.microsoft.com/office/drawing/2014/main" val="10001"/>
                   </a:ext>
                 </a:extLst>
               </a:tr>
@@ -15366,7 +15366,7 @@
                 </a:tc>
                 <a:extLst>
                   <a:ext uri="{0D108BD9-81ED-4DB2-BD59-A6C34878D82A}">
-                    <a16:rowId xmlns:a16="http://schemas.microsoft.com/office/drawing/2014/main" xmlns="" val="59618035"/>
+                    <a16:rowId xmlns="" xmlns:a16="http://schemas.microsoft.com/office/drawing/2014/main" val="59618035"/>
                   </a:ext>
                 </a:extLst>
               </a:tr>
@@ -15662,7 +15662,7 @@
                 </a:tc>
                 <a:extLst>
                   <a:ext uri="{0D108BD9-81ED-4DB2-BD59-A6C34878D82A}">
-                    <a16:rowId xmlns:a16="http://schemas.microsoft.com/office/drawing/2014/main" xmlns="" val="1760905486"/>
+                    <a16:rowId xmlns="" xmlns:a16="http://schemas.microsoft.com/office/drawing/2014/main" val="1760905486"/>
                   </a:ext>
                 </a:extLst>
               </a:tr>
@@ -16106,21 +16106,21 @@
                 <a:gridCol w="269487">
                   <a:extLst>
                     <a:ext uri="{9D8B030D-6E8A-4147-A177-3AD203B41FA5}">
-                      <a16:colId xmlns:a16="http://schemas.microsoft.com/office/drawing/2014/main" xmlns="" val="20000"/>
+                      <a16:colId xmlns="" xmlns:a16="http://schemas.microsoft.com/office/drawing/2014/main" val="20000"/>
                     </a:ext>
                   </a:extLst>
                 </a:gridCol>
                 <a:gridCol w="2160240">
                   <a:extLst>
                     <a:ext uri="{9D8B030D-6E8A-4147-A177-3AD203B41FA5}">
-                      <a16:colId xmlns:a16="http://schemas.microsoft.com/office/drawing/2014/main" xmlns="" val="20001"/>
+                      <a16:colId xmlns="" xmlns:a16="http://schemas.microsoft.com/office/drawing/2014/main" val="20001"/>
                     </a:ext>
                   </a:extLst>
                 </a:gridCol>
                 <a:gridCol w="327277">
                   <a:extLst>
                     <a:ext uri="{9D8B030D-6E8A-4147-A177-3AD203B41FA5}">
-                      <a16:colId xmlns:a16="http://schemas.microsoft.com/office/drawing/2014/main" xmlns="" val="20002"/>
+                      <a16:colId xmlns="" xmlns:a16="http://schemas.microsoft.com/office/drawing/2014/main" val="20002"/>
                     </a:ext>
                   </a:extLst>
                 </a:gridCol>
@@ -16322,7 +16322,7 @@
                 </a:tc>
                 <a:extLst>
                   <a:ext uri="{0D108BD9-81ED-4DB2-BD59-A6C34878D82A}">
-                    <a16:rowId xmlns:a16="http://schemas.microsoft.com/office/drawing/2014/main" xmlns="" val="10000"/>
+                    <a16:rowId xmlns="" xmlns:a16="http://schemas.microsoft.com/office/drawing/2014/main" val="10000"/>
                   </a:ext>
                 </a:extLst>
               </a:tr>
@@ -16548,7 +16548,7 @@
                 </a:tc>
                 <a:extLst>
                   <a:ext uri="{0D108BD9-81ED-4DB2-BD59-A6C34878D82A}">
-                    <a16:rowId xmlns:a16="http://schemas.microsoft.com/office/drawing/2014/main" xmlns="" val="10001"/>
+                    <a16:rowId xmlns="" xmlns:a16="http://schemas.microsoft.com/office/drawing/2014/main" val="10001"/>
                   </a:ext>
                 </a:extLst>
               </a:tr>
@@ -16763,7 +16763,7 @@
                 </a:tc>
                 <a:extLst>
                   <a:ext uri="{0D108BD9-81ED-4DB2-BD59-A6C34878D82A}">
-                    <a16:rowId xmlns:a16="http://schemas.microsoft.com/office/drawing/2014/main" xmlns="" val="59618035"/>
+                    <a16:rowId xmlns="" xmlns:a16="http://schemas.microsoft.com/office/drawing/2014/main" val="59618035"/>
                   </a:ext>
                 </a:extLst>
               </a:tr>
@@ -16982,7 +16982,7 @@
                 </a:tc>
                 <a:extLst>
                   <a:ext uri="{0D108BD9-81ED-4DB2-BD59-A6C34878D82A}">
-                    <a16:rowId xmlns:a16="http://schemas.microsoft.com/office/drawing/2014/main" xmlns="" val="1760905486"/>
+                    <a16:rowId xmlns="" xmlns:a16="http://schemas.microsoft.com/office/drawing/2014/main" val="1760905486"/>
                   </a:ext>
                 </a:extLst>
               </a:tr>
@@ -17172,7 +17172,7 @@
                 </a:tc>
                 <a:extLst>
                   <a:ext uri="{0D108BD9-81ED-4DB2-BD59-A6C34878D82A}">
-                    <a16:rowId xmlns:a16="http://schemas.microsoft.com/office/drawing/2014/main" xmlns="" val="2662931107"/>
+                    <a16:rowId xmlns="" xmlns:a16="http://schemas.microsoft.com/office/drawing/2014/main" val="2662931107"/>
                   </a:ext>
                 </a:extLst>
               </a:tr>
@@ -17311,6 +17311,13 @@
   <p:clrMapOvr>
     <a:masterClrMapping/>
   </p:clrMapOvr>
+  <p:timing>
+    <p:tnLst>
+      <p:par>
+        <p:cTn id="1" dur="indefinite" restart="never" nodeType="tmRoot"/>
+      </p:par>
+    </p:tnLst>
+  </p:timing>
 </p:sld>
 </file>
 
@@ -17371,6 +17378,13 @@
   <p:clrMapOvr>
     <a:masterClrMapping/>
   </p:clrMapOvr>
+  <p:timing>
+    <p:tnLst>
+      <p:par>
+        <p:cTn id="1" dur="indefinite" restart="never" nodeType="tmRoot"/>
+      </p:par>
+    </p:tnLst>
+  </p:timing>
 </p:sld>
 </file>
 
@@ -17529,21 +17543,21 @@
                 <a:gridCol w="269487">
                   <a:extLst>
                     <a:ext uri="{9D8B030D-6E8A-4147-A177-3AD203B41FA5}">
-                      <a16:colId xmlns:a16="http://schemas.microsoft.com/office/drawing/2014/main" xmlns="" val="20000"/>
+                      <a16:colId xmlns="" xmlns:a16="http://schemas.microsoft.com/office/drawing/2014/main" val="20000"/>
                     </a:ext>
                   </a:extLst>
                 </a:gridCol>
                 <a:gridCol w="2160240">
                   <a:extLst>
                     <a:ext uri="{9D8B030D-6E8A-4147-A177-3AD203B41FA5}">
-                      <a16:colId xmlns:a16="http://schemas.microsoft.com/office/drawing/2014/main" xmlns="" val="20001"/>
+                      <a16:colId xmlns="" xmlns:a16="http://schemas.microsoft.com/office/drawing/2014/main" val="20001"/>
                     </a:ext>
                   </a:extLst>
                 </a:gridCol>
                 <a:gridCol w="327277">
                   <a:extLst>
                     <a:ext uri="{9D8B030D-6E8A-4147-A177-3AD203B41FA5}">
-                      <a16:colId xmlns:a16="http://schemas.microsoft.com/office/drawing/2014/main" xmlns="" val="20002"/>
+                      <a16:colId xmlns="" xmlns:a16="http://schemas.microsoft.com/office/drawing/2014/main" val="20002"/>
                     </a:ext>
                   </a:extLst>
                 </a:gridCol>
@@ -17745,7 +17759,7 @@
                 </a:tc>
                 <a:extLst>
                   <a:ext uri="{0D108BD9-81ED-4DB2-BD59-A6C34878D82A}">
-                    <a16:rowId xmlns:a16="http://schemas.microsoft.com/office/drawing/2014/main" xmlns="" val="10000"/>
+                    <a16:rowId xmlns="" xmlns:a16="http://schemas.microsoft.com/office/drawing/2014/main" val="10000"/>
                   </a:ext>
                 </a:extLst>
               </a:tr>
@@ -17983,7 +17997,7 @@
                 </a:tc>
                 <a:extLst>
                   <a:ext uri="{0D108BD9-81ED-4DB2-BD59-A6C34878D82A}">
-                    <a16:rowId xmlns:a16="http://schemas.microsoft.com/office/drawing/2014/main" xmlns="" val="59618035"/>
+                    <a16:rowId xmlns="" xmlns:a16="http://schemas.microsoft.com/office/drawing/2014/main" val="59618035"/>
                   </a:ext>
                 </a:extLst>
               </a:tr>
@@ -18298,7 +18312,7 @@
                 </a:tc>
                 <a:extLst>
                   <a:ext uri="{0D108BD9-81ED-4DB2-BD59-A6C34878D82A}">
-                    <a16:rowId xmlns:a16="http://schemas.microsoft.com/office/drawing/2014/main" xmlns="" val="1760905486"/>
+                    <a16:rowId xmlns="" xmlns:a16="http://schemas.microsoft.com/office/drawing/2014/main" val="1760905486"/>
                   </a:ext>
                 </a:extLst>
               </a:tr>
@@ -18547,7 +18561,7 @@
                 </a:tc>
                 <a:extLst>
                   <a:ext uri="{0D108BD9-81ED-4DB2-BD59-A6C34878D82A}">
-                    <a16:rowId xmlns:a16="http://schemas.microsoft.com/office/drawing/2014/main" xmlns="" val="2662931107"/>
+                    <a16:rowId xmlns="" xmlns:a16="http://schemas.microsoft.com/office/drawing/2014/main" val="2662931107"/>
                   </a:ext>
                 </a:extLst>
               </a:tr>
@@ -18799,7 +18813,7 @@
                 </a:tc>
                 <a:extLst>
                   <a:ext uri="{0D108BD9-81ED-4DB2-BD59-A6C34878D82A}">
-                    <a16:rowId xmlns:a16="http://schemas.microsoft.com/office/drawing/2014/main" xmlns="" val="2826184942"/>
+                    <a16:rowId xmlns="" xmlns:a16="http://schemas.microsoft.com/office/drawing/2014/main" val="2826184942"/>
                   </a:ext>
                 </a:extLst>
               </a:tr>
@@ -19044,7 +19058,7 @@
                 </a:tc>
                 <a:extLst>
                   <a:ext uri="{0D108BD9-81ED-4DB2-BD59-A6C34878D82A}">
-                    <a16:rowId xmlns:a16="http://schemas.microsoft.com/office/drawing/2014/main" xmlns="" val="1119249548"/>
+                    <a16:rowId xmlns="" xmlns:a16="http://schemas.microsoft.com/office/drawing/2014/main" val="1119249548"/>
                   </a:ext>
                 </a:extLst>
               </a:tr>
@@ -19303,7 +19317,7 @@
                 </a:tc>
                 <a:extLst>
                   <a:ext uri="{0D108BD9-81ED-4DB2-BD59-A6C34878D82A}">
-                    <a16:rowId xmlns:a16="http://schemas.microsoft.com/office/drawing/2014/main" xmlns="" val="1255453232"/>
+                    <a16:rowId xmlns="" xmlns:a16="http://schemas.microsoft.com/office/drawing/2014/main" val="1255453232"/>
                   </a:ext>
                 </a:extLst>
               </a:tr>
@@ -19548,7 +19562,7 @@
                 </a:tc>
                 <a:extLst>
                   <a:ext uri="{0D108BD9-81ED-4DB2-BD59-A6C34878D82A}">
-                    <a16:rowId xmlns:a16="http://schemas.microsoft.com/office/drawing/2014/main" xmlns="" val="2637374122"/>
+                    <a16:rowId xmlns="" xmlns:a16="http://schemas.microsoft.com/office/drawing/2014/main" val="2637374122"/>
                   </a:ext>
                 </a:extLst>
               </a:tr>
@@ -19786,7 +19800,7 @@
                 </a:tc>
                 <a:extLst>
                   <a:ext uri="{0D108BD9-81ED-4DB2-BD59-A6C34878D82A}">
-                    <a16:rowId xmlns:a16="http://schemas.microsoft.com/office/drawing/2014/main" xmlns="" val="2542217041"/>
+                    <a16:rowId xmlns="" xmlns:a16="http://schemas.microsoft.com/office/drawing/2014/main" val="2542217041"/>
                   </a:ext>
                 </a:extLst>
               </a:tr>
@@ -20042,7 +20056,7 @@
                 </a:tc>
                 <a:extLst>
                   <a:ext uri="{0D108BD9-81ED-4DB2-BD59-A6C34878D82A}">
-                    <a16:rowId xmlns:a16="http://schemas.microsoft.com/office/drawing/2014/main" xmlns="" val="443045558"/>
+                    <a16:rowId xmlns="" xmlns:a16="http://schemas.microsoft.com/office/drawing/2014/main" val="443045558"/>
                   </a:ext>
                 </a:extLst>
               </a:tr>
@@ -20291,7 +20305,7 @@
                 </a:tc>
                 <a:extLst>
                   <a:ext uri="{0D108BD9-81ED-4DB2-BD59-A6C34878D82A}">
-                    <a16:rowId xmlns:a16="http://schemas.microsoft.com/office/drawing/2014/main" xmlns="" val="3825694789"/>
+                    <a16:rowId xmlns="" xmlns:a16="http://schemas.microsoft.com/office/drawing/2014/main" val="3825694789"/>
                   </a:ext>
                 </a:extLst>
               </a:tr>
@@ -20540,7 +20554,7 @@
                 </a:tc>
                 <a:extLst>
                   <a:ext uri="{0D108BD9-81ED-4DB2-BD59-A6C34878D82A}">
-                    <a16:rowId xmlns:a16="http://schemas.microsoft.com/office/drawing/2014/main" xmlns="" val="540567416"/>
+                    <a16:rowId xmlns="" xmlns:a16="http://schemas.microsoft.com/office/drawing/2014/main" val="540567416"/>
                   </a:ext>
                 </a:extLst>
               </a:tr>
@@ -20778,7 +20792,7 @@
                 </a:tc>
                 <a:extLst>
                   <a:ext uri="{0D108BD9-81ED-4DB2-BD59-A6C34878D82A}">
-                    <a16:rowId xmlns:a16="http://schemas.microsoft.com/office/drawing/2014/main" xmlns="" val="10012"/>
+                    <a16:rowId xmlns="" xmlns:a16="http://schemas.microsoft.com/office/drawing/2014/main" val="10012"/>
                   </a:ext>
                 </a:extLst>
               </a:tr>
@@ -21023,7 +21037,7 @@
                 </a:tc>
                 <a:extLst>
                   <a:ext uri="{0D108BD9-81ED-4DB2-BD59-A6C34878D82A}">
-                    <a16:rowId xmlns:a16="http://schemas.microsoft.com/office/drawing/2014/main" xmlns="" val="2856329934"/>
+                    <a16:rowId xmlns="" xmlns:a16="http://schemas.microsoft.com/office/drawing/2014/main" val="2856329934"/>
                   </a:ext>
                 </a:extLst>
               </a:tr>
@@ -21268,7 +21282,7 @@
                 </a:tc>
                 <a:extLst>
                   <a:ext uri="{0D108BD9-81ED-4DB2-BD59-A6C34878D82A}">
-                    <a16:rowId xmlns:a16="http://schemas.microsoft.com/office/drawing/2014/main" xmlns="" val="1512274897"/>
+                    <a16:rowId xmlns="" xmlns:a16="http://schemas.microsoft.com/office/drawing/2014/main" val="1512274897"/>
                   </a:ext>
                 </a:extLst>
               </a:tr>
@@ -22337,21 +22351,21 @@
                 <a:gridCol w="269487">
                   <a:extLst>
                     <a:ext uri="{9D8B030D-6E8A-4147-A177-3AD203B41FA5}">
-                      <a16:colId xmlns:a16="http://schemas.microsoft.com/office/drawing/2014/main" xmlns="" val="20000"/>
+                      <a16:colId xmlns="" xmlns:a16="http://schemas.microsoft.com/office/drawing/2014/main" val="20000"/>
                     </a:ext>
                   </a:extLst>
                 </a:gridCol>
                 <a:gridCol w="2160240">
                   <a:extLst>
                     <a:ext uri="{9D8B030D-6E8A-4147-A177-3AD203B41FA5}">
-                      <a16:colId xmlns:a16="http://schemas.microsoft.com/office/drawing/2014/main" xmlns="" val="20001"/>
+                      <a16:colId xmlns="" xmlns:a16="http://schemas.microsoft.com/office/drawing/2014/main" val="20001"/>
                     </a:ext>
                   </a:extLst>
                 </a:gridCol>
                 <a:gridCol w="327277">
                   <a:extLst>
                     <a:ext uri="{9D8B030D-6E8A-4147-A177-3AD203B41FA5}">
-                      <a16:colId xmlns:a16="http://schemas.microsoft.com/office/drawing/2014/main" xmlns="" val="20002"/>
+                      <a16:colId xmlns="" xmlns:a16="http://schemas.microsoft.com/office/drawing/2014/main" val="20002"/>
                     </a:ext>
                   </a:extLst>
                 </a:gridCol>
@@ -22553,7 +22567,7 @@
                 </a:tc>
                 <a:extLst>
                   <a:ext uri="{0D108BD9-81ED-4DB2-BD59-A6C34878D82A}">
-                    <a16:rowId xmlns:a16="http://schemas.microsoft.com/office/drawing/2014/main" xmlns="" val="10000"/>
+                    <a16:rowId xmlns="" xmlns:a16="http://schemas.microsoft.com/office/drawing/2014/main" val="10000"/>
                   </a:ext>
                 </a:extLst>
               </a:tr>
@@ -22779,7 +22793,7 @@
                 </a:tc>
                 <a:extLst>
                   <a:ext uri="{0D108BD9-81ED-4DB2-BD59-A6C34878D82A}">
-                    <a16:rowId xmlns:a16="http://schemas.microsoft.com/office/drawing/2014/main" xmlns="" val="10001"/>
+                    <a16:rowId xmlns="" xmlns:a16="http://schemas.microsoft.com/office/drawing/2014/main" val="10001"/>
                   </a:ext>
                 </a:extLst>
               </a:tr>
@@ -23008,7 +23022,7 @@
                 </a:tc>
                 <a:extLst>
                   <a:ext uri="{0D108BD9-81ED-4DB2-BD59-A6C34878D82A}">
-                    <a16:rowId xmlns:a16="http://schemas.microsoft.com/office/drawing/2014/main" xmlns="" val="59618035"/>
+                    <a16:rowId xmlns="" xmlns:a16="http://schemas.microsoft.com/office/drawing/2014/main" val="59618035"/>
                   </a:ext>
                 </a:extLst>
               </a:tr>
@@ -23248,7 +23262,7 @@
                 </a:tc>
                 <a:extLst>
                   <a:ext uri="{0D108BD9-81ED-4DB2-BD59-A6C34878D82A}">
-                    <a16:rowId xmlns:a16="http://schemas.microsoft.com/office/drawing/2014/main" xmlns="" val="1760905486"/>
+                    <a16:rowId xmlns="" xmlns:a16="http://schemas.microsoft.com/office/drawing/2014/main" val="1760905486"/>
                   </a:ext>
                 </a:extLst>
               </a:tr>
@@ -23499,7 +23513,7 @@
                 </a:tc>
                 <a:extLst>
                   <a:ext uri="{0D108BD9-81ED-4DB2-BD59-A6C34878D82A}">
-                    <a16:rowId xmlns:a16="http://schemas.microsoft.com/office/drawing/2014/main" xmlns="" val="2662931107"/>
+                    <a16:rowId xmlns="" xmlns:a16="http://schemas.microsoft.com/office/drawing/2014/main" val="2662931107"/>
                   </a:ext>
                 </a:extLst>
               </a:tr>
@@ -23718,7 +23732,7 @@
                 </a:tc>
                 <a:extLst>
                   <a:ext uri="{0D108BD9-81ED-4DB2-BD59-A6C34878D82A}">
-                    <a16:rowId xmlns:a16="http://schemas.microsoft.com/office/drawing/2014/main" xmlns="" val="2826184942"/>
+                    <a16:rowId xmlns="" xmlns:a16="http://schemas.microsoft.com/office/drawing/2014/main" val="2826184942"/>
                   </a:ext>
                 </a:extLst>
               </a:tr>
@@ -23944,7 +23958,7 @@
                 </a:tc>
                 <a:extLst>
                   <a:ext uri="{0D108BD9-81ED-4DB2-BD59-A6C34878D82A}">
-                    <a16:rowId xmlns:a16="http://schemas.microsoft.com/office/drawing/2014/main" xmlns="" val="1119249548"/>
+                    <a16:rowId xmlns="" xmlns:a16="http://schemas.microsoft.com/office/drawing/2014/main" val="1119249548"/>
                   </a:ext>
                 </a:extLst>
               </a:tr>
@@ -24763,7 +24777,7 @@
               <a:rPr lang="en-US" altLang="ko-KR" sz="900" dirty="0" smtClean="0">
                 <a:latin typeface="+mn-ea"/>
               </a:rPr>
-              <a:t>5</a:t>
+              <a:t>4</a:t>
             </a:r>
             <a:endParaRPr lang="ko-KR" altLang="en-US" sz="900" dirty="0">
               <a:latin typeface="+mn-ea"/>
@@ -24907,21 +24921,21 @@
                 <a:gridCol w="269487">
                   <a:extLst>
                     <a:ext uri="{9D8B030D-6E8A-4147-A177-3AD203B41FA5}">
-                      <a16:colId xmlns:a16="http://schemas.microsoft.com/office/drawing/2014/main" xmlns="" val="20000"/>
+                      <a16:colId xmlns="" xmlns:a16="http://schemas.microsoft.com/office/drawing/2014/main" val="20000"/>
                     </a:ext>
                   </a:extLst>
                 </a:gridCol>
                 <a:gridCol w="2160240">
                   <a:extLst>
                     <a:ext uri="{9D8B030D-6E8A-4147-A177-3AD203B41FA5}">
-                      <a16:colId xmlns:a16="http://schemas.microsoft.com/office/drawing/2014/main" xmlns="" val="20001"/>
+                      <a16:colId xmlns="" xmlns:a16="http://schemas.microsoft.com/office/drawing/2014/main" val="20001"/>
                     </a:ext>
                   </a:extLst>
                 </a:gridCol>
                 <a:gridCol w="327277">
                   <a:extLst>
                     <a:ext uri="{9D8B030D-6E8A-4147-A177-3AD203B41FA5}">
-                      <a16:colId xmlns:a16="http://schemas.microsoft.com/office/drawing/2014/main" xmlns="" val="20002"/>
+                      <a16:colId xmlns="" xmlns:a16="http://schemas.microsoft.com/office/drawing/2014/main" val="20002"/>
                     </a:ext>
                   </a:extLst>
                 </a:gridCol>
@@ -25123,7 +25137,7 @@
                 </a:tc>
                 <a:extLst>
                   <a:ext uri="{0D108BD9-81ED-4DB2-BD59-A6C34878D82A}">
-                    <a16:rowId xmlns:a16="http://schemas.microsoft.com/office/drawing/2014/main" xmlns="" val="10000"/>
+                    <a16:rowId xmlns="" xmlns:a16="http://schemas.microsoft.com/office/drawing/2014/main" val="10000"/>
                   </a:ext>
                 </a:extLst>
               </a:tr>
@@ -25349,7 +25363,7 @@
                 </a:tc>
                 <a:extLst>
                   <a:ext uri="{0D108BD9-81ED-4DB2-BD59-A6C34878D82A}">
-                    <a16:rowId xmlns:a16="http://schemas.microsoft.com/office/drawing/2014/main" xmlns="" val="10001"/>
+                    <a16:rowId xmlns="" xmlns:a16="http://schemas.microsoft.com/office/drawing/2014/main" val="10001"/>
                   </a:ext>
                 </a:extLst>
               </a:tr>
@@ -25564,7 +25578,7 @@
                 </a:tc>
                 <a:extLst>
                   <a:ext uri="{0D108BD9-81ED-4DB2-BD59-A6C34878D82A}">
-                    <a16:rowId xmlns:a16="http://schemas.microsoft.com/office/drawing/2014/main" xmlns="" val="59618035"/>
+                    <a16:rowId xmlns="" xmlns:a16="http://schemas.microsoft.com/office/drawing/2014/main" val="59618035"/>
                   </a:ext>
                 </a:extLst>
               </a:tr>
@@ -25780,7 +25794,7 @@
                 </a:tc>
                 <a:extLst>
                   <a:ext uri="{0D108BD9-81ED-4DB2-BD59-A6C34878D82A}">
-                    <a16:rowId xmlns:a16="http://schemas.microsoft.com/office/drawing/2014/main" xmlns="" val="2662931107"/>
+                    <a16:rowId xmlns="" xmlns:a16="http://schemas.microsoft.com/office/drawing/2014/main" val="2662931107"/>
                   </a:ext>
                 </a:extLst>
               </a:tr>
@@ -25999,7 +26013,7 @@
                 </a:tc>
                 <a:extLst>
                   <a:ext uri="{0D108BD9-81ED-4DB2-BD59-A6C34878D82A}">
-                    <a16:rowId xmlns:a16="http://schemas.microsoft.com/office/drawing/2014/main" xmlns="" val="2826184942"/>
+                    <a16:rowId xmlns="" xmlns:a16="http://schemas.microsoft.com/office/drawing/2014/main" val="2826184942"/>
                   </a:ext>
                 </a:extLst>
               </a:tr>
@@ -26218,7 +26232,7 @@
                 </a:tc>
                 <a:extLst>
                   <a:ext uri="{0D108BD9-81ED-4DB2-BD59-A6C34878D82A}">
-                    <a16:rowId xmlns:a16="http://schemas.microsoft.com/office/drawing/2014/main" xmlns="" val="1119249548"/>
+                    <a16:rowId xmlns="" xmlns:a16="http://schemas.microsoft.com/office/drawing/2014/main" val="1119249548"/>
                   </a:ext>
                 </a:extLst>
               </a:tr>
@@ -26856,21 +26870,21 @@
                 <a:gridCol w="269487">
                   <a:extLst>
                     <a:ext uri="{9D8B030D-6E8A-4147-A177-3AD203B41FA5}">
-                      <a16:colId xmlns:a16="http://schemas.microsoft.com/office/drawing/2014/main" xmlns="" val="20000"/>
+                      <a16:colId xmlns="" xmlns:a16="http://schemas.microsoft.com/office/drawing/2014/main" val="20000"/>
                     </a:ext>
                   </a:extLst>
                 </a:gridCol>
                 <a:gridCol w="2160240">
                   <a:extLst>
                     <a:ext uri="{9D8B030D-6E8A-4147-A177-3AD203B41FA5}">
-                      <a16:colId xmlns:a16="http://schemas.microsoft.com/office/drawing/2014/main" xmlns="" val="20001"/>
+                      <a16:colId xmlns="" xmlns:a16="http://schemas.microsoft.com/office/drawing/2014/main" val="20001"/>
                     </a:ext>
                   </a:extLst>
                 </a:gridCol>
                 <a:gridCol w="327277">
                   <a:extLst>
                     <a:ext uri="{9D8B030D-6E8A-4147-A177-3AD203B41FA5}">
-                      <a16:colId xmlns:a16="http://schemas.microsoft.com/office/drawing/2014/main" xmlns="" val="20002"/>
+                      <a16:colId xmlns="" xmlns:a16="http://schemas.microsoft.com/office/drawing/2014/main" val="20002"/>
                     </a:ext>
                   </a:extLst>
                 </a:gridCol>
@@ -27072,7 +27086,7 @@
                 </a:tc>
                 <a:extLst>
                   <a:ext uri="{0D108BD9-81ED-4DB2-BD59-A6C34878D82A}">
-                    <a16:rowId xmlns:a16="http://schemas.microsoft.com/office/drawing/2014/main" xmlns="" val="10000"/>
+                    <a16:rowId xmlns="" xmlns:a16="http://schemas.microsoft.com/office/drawing/2014/main" val="10000"/>
                   </a:ext>
                 </a:extLst>
               </a:tr>
@@ -27298,7 +27312,7 @@
                 </a:tc>
                 <a:extLst>
                   <a:ext uri="{0D108BD9-81ED-4DB2-BD59-A6C34878D82A}">
-                    <a16:rowId xmlns:a16="http://schemas.microsoft.com/office/drawing/2014/main" xmlns="" val="10001"/>
+                    <a16:rowId xmlns="" xmlns:a16="http://schemas.microsoft.com/office/drawing/2014/main" val="10001"/>
                   </a:ext>
                 </a:extLst>
               </a:tr>
@@ -27561,7 +27575,7 @@
                 </a:tc>
                 <a:extLst>
                   <a:ext uri="{0D108BD9-81ED-4DB2-BD59-A6C34878D82A}">
-                    <a16:rowId xmlns:a16="http://schemas.microsoft.com/office/drawing/2014/main" xmlns="" val="59618035"/>
+                    <a16:rowId xmlns="" xmlns:a16="http://schemas.microsoft.com/office/drawing/2014/main" val="59618035"/>
                   </a:ext>
                 </a:extLst>
               </a:tr>
@@ -27831,7 +27845,7 @@
                 </a:tc>
                 <a:extLst>
                   <a:ext uri="{0D108BD9-81ED-4DB2-BD59-A6C34878D82A}">
-                    <a16:rowId xmlns:a16="http://schemas.microsoft.com/office/drawing/2014/main" xmlns="" val="1760905486"/>
+                    <a16:rowId xmlns="" xmlns:a16="http://schemas.microsoft.com/office/drawing/2014/main" val="1760905486"/>
                   </a:ext>
                 </a:extLst>
               </a:tr>
@@ -28047,7 +28061,7 @@
                 </a:tc>
                 <a:extLst>
                   <a:ext uri="{0D108BD9-81ED-4DB2-BD59-A6C34878D82A}">
-                    <a16:rowId xmlns:a16="http://schemas.microsoft.com/office/drawing/2014/main" xmlns="" val="2662931107"/>
+                    <a16:rowId xmlns="" xmlns:a16="http://schemas.microsoft.com/office/drawing/2014/main" val="2662931107"/>
                   </a:ext>
                 </a:extLst>
               </a:tr>
@@ -28298,7 +28312,7 @@
                 </a:tc>
                 <a:extLst>
                   <a:ext uri="{0D108BD9-81ED-4DB2-BD59-A6C34878D82A}">
-                    <a16:rowId xmlns:a16="http://schemas.microsoft.com/office/drawing/2014/main" xmlns="" val="2826184942"/>
+                    <a16:rowId xmlns="" xmlns:a16="http://schemas.microsoft.com/office/drawing/2014/main" val="2826184942"/>
                   </a:ext>
                 </a:extLst>
               </a:tr>
@@ -28517,7 +28531,7 @@
                 </a:tc>
                 <a:extLst>
                   <a:ext uri="{0D108BD9-81ED-4DB2-BD59-A6C34878D82A}">
-                    <a16:rowId xmlns:a16="http://schemas.microsoft.com/office/drawing/2014/main" xmlns="" val="1119249548"/>
+                    <a16:rowId xmlns="" xmlns:a16="http://schemas.microsoft.com/office/drawing/2014/main" val="1119249548"/>
                   </a:ext>
                 </a:extLst>
               </a:tr>
@@ -28736,7 +28750,7 @@
                 </a:tc>
                 <a:extLst>
                   <a:ext uri="{0D108BD9-81ED-4DB2-BD59-A6C34878D82A}">
-                    <a16:rowId xmlns:a16="http://schemas.microsoft.com/office/drawing/2014/main" xmlns="" val="10007"/>
+                    <a16:rowId xmlns="" xmlns:a16="http://schemas.microsoft.com/office/drawing/2014/main" val="10007"/>
                   </a:ext>
                 </a:extLst>
               </a:tr>
@@ -28955,7 +28969,7 @@
                 </a:tc>
                 <a:extLst>
                   <a:ext uri="{0D108BD9-81ED-4DB2-BD59-A6C34878D82A}">
-                    <a16:rowId xmlns:a16="http://schemas.microsoft.com/office/drawing/2014/main" xmlns="" val="10008"/>
+                    <a16:rowId xmlns="" xmlns:a16="http://schemas.microsoft.com/office/drawing/2014/main" val="10008"/>
                   </a:ext>
                 </a:extLst>
               </a:tr>
@@ -29946,21 +29960,21 @@
                 <a:gridCol w="269487">
                   <a:extLst>
                     <a:ext uri="{9D8B030D-6E8A-4147-A177-3AD203B41FA5}">
-                      <a16:colId xmlns:a16="http://schemas.microsoft.com/office/drawing/2014/main" xmlns="" val="20000"/>
+                      <a16:colId xmlns="" xmlns:a16="http://schemas.microsoft.com/office/drawing/2014/main" val="20000"/>
                     </a:ext>
                   </a:extLst>
                 </a:gridCol>
                 <a:gridCol w="2160240">
                   <a:extLst>
                     <a:ext uri="{9D8B030D-6E8A-4147-A177-3AD203B41FA5}">
-                      <a16:colId xmlns:a16="http://schemas.microsoft.com/office/drawing/2014/main" xmlns="" val="20001"/>
+                      <a16:colId xmlns="" xmlns:a16="http://schemas.microsoft.com/office/drawing/2014/main" val="20001"/>
                     </a:ext>
                   </a:extLst>
                 </a:gridCol>
                 <a:gridCol w="327277">
                   <a:extLst>
                     <a:ext uri="{9D8B030D-6E8A-4147-A177-3AD203B41FA5}">
-                      <a16:colId xmlns:a16="http://schemas.microsoft.com/office/drawing/2014/main" xmlns="" val="20002"/>
+                      <a16:colId xmlns="" xmlns:a16="http://schemas.microsoft.com/office/drawing/2014/main" val="20002"/>
                     </a:ext>
                   </a:extLst>
                 </a:gridCol>
@@ -30162,7 +30176,7 @@
                 </a:tc>
                 <a:extLst>
                   <a:ext uri="{0D108BD9-81ED-4DB2-BD59-A6C34878D82A}">
-                    <a16:rowId xmlns:a16="http://schemas.microsoft.com/office/drawing/2014/main" xmlns="" val="10000"/>
+                    <a16:rowId xmlns="" xmlns:a16="http://schemas.microsoft.com/office/drawing/2014/main" val="10000"/>
                   </a:ext>
                 </a:extLst>
               </a:tr>
@@ -30388,7 +30402,7 @@
                 </a:tc>
                 <a:extLst>
                   <a:ext uri="{0D108BD9-81ED-4DB2-BD59-A6C34878D82A}">
-                    <a16:rowId xmlns:a16="http://schemas.microsoft.com/office/drawing/2014/main" xmlns="" val="10001"/>
+                    <a16:rowId xmlns="" xmlns:a16="http://schemas.microsoft.com/office/drawing/2014/main" val="10001"/>
                   </a:ext>
                 </a:extLst>
               </a:tr>
@@ -30654,7 +30668,7 @@
                 </a:tc>
                 <a:extLst>
                   <a:ext uri="{0D108BD9-81ED-4DB2-BD59-A6C34878D82A}">
-                    <a16:rowId xmlns:a16="http://schemas.microsoft.com/office/drawing/2014/main" xmlns="" val="59618035"/>
+                    <a16:rowId xmlns="" xmlns:a16="http://schemas.microsoft.com/office/drawing/2014/main" val="59618035"/>
                   </a:ext>
                 </a:extLst>
               </a:tr>
@@ -30883,7 +30897,7 @@
                 </a:tc>
                 <a:extLst>
                   <a:ext uri="{0D108BD9-81ED-4DB2-BD59-A6C34878D82A}">
-                    <a16:rowId xmlns:a16="http://schemas.microsoft.com/office/drawing/2014/main" xmlns="" val="1760905486"/>
+                    <a16:rowId xmlns="" xmlns:a16="http://schemas.microsoft.com/office/drawing/2014/main" val="1760905486"/>
                   </a:ext>
                 </a:extLst>
               </a:tr>
@@ -31092,7 +31106,7 @@
                 </a:tc>
                 <a:extLst>
                   <a:ext uri="{0D108BD9-81ED-4DB2-BD59-A6C34878D82A}">
-                    <a16:rowId xmlns:a16="http://schemas.microsoft.com/office/drawing/2014/main" xmlns="" val="2662931107"/>
+                    <a16:rowId xmlns="" xmlns:a16="http://schemas.microsoft.com/office/drawing/2014/main" val="2662931107"/>
                   </a:ext>
                 </a:extLst>
               </a:tr>
@@ -31311,7 +31325,7 @@
                 </a:tc>
                 <a:extLst>
                   <a:ext uri="{0D108BD9-81ED-4DB2-BD59-A6C34878D82A}">
-                    <a16:rowId xmlns:a16="http://schemas.microsoft.com/office/drawing/2014/main" xmlns="" val="2826184942"/>
+                    <a16:rowId xmlns="" xmlns:a16="http://schemas.microsoft.com/office/drawing/2014/main" val="2826184942"/>
                   </a:ext>
                 </a:extLst>
               </a:tr>
@@ -31576,7 +31590,7 @@
                 </a:tc>
                 <a:extLst>
                   <a:ext uri="{0D108BD9-81ED-4DB2-BD59-A6C34878D82A}">
-                    <a16:rowId xmlns:a16="http://schemas.microsoft.com/office/drawing/2014/main" xmlns="" val="1119249548"/>
+                    <a16:rowId xmlns="" xmlns:a16="http://schemas.microsoft.com/office/drawing/2014/main" val="1119249548"/>
                   </a:ext>
                 </a:extLst>
               </a:tr>
@@ -31795,7 +31809,7 @@
                 </a:tc>
                 <a:extLst>
                   <a:ext uri="{0D108BD9-81ED-4DB2-BD59-A6C34878D82A}">
-                    <a16:rowId xmlns:a16="http://schemas.microsoft.com/office/drawing/2014/main" xmlns="" val="10007"/>
+                    <a16:rowId xmlns="" xmlns:a16="http://schemas.microsoft.com/office/drawing/2014/main" val="10007"/>
                   </a:ext>
                 </a:extLst>
               </a:tr>
@@ -32014,7 +32028,7 @@
                 </a:tc>
                 <a:extLst>
                   <a:ext uri="{0D108BD9-81ED-4DB2-BD59-A6C34878D82A}">
-                    <a16:rowId xmlns:a16="http://schemas.microsoft.com/office/drawing/2014/main" xmlns="" val="10008"/>
+                    <a16:rowId xmlns="" xmlns:a16="http://schemas.microsoft.com/office/drawing/2014/main" val="10008"/>
                   </a:ext>
                 </a:extLst>
               </a:tr>
@@ -32233,7 +32247,7 @@
                 </a:tc>
                 <a:extLst>
                   <a:ext uri="{0D108BD9-81ED-4DB2-BD59-A6C34878D82A}">
-                    <a16:rowId xmlns:a16="http://schemas.microsoft.com/office/drawing/2014/main" xmlns="" val="10009"/>
+                    <a16:rowId xmlns="" xmlns:a16="http://schemas.microsoft.com/office/drawing/2014/main" val="10009"/>
                   </a:ext>
                 </a:extLst>
               </a:tr>
@@ -32962,21 +32976,21 @@
                 <a:gridCol w="269487">
                   <a:extLst>
                     <a:ext uri="{9D8B030D-6E8A-4147-A177-3AD203B41FA5}">
-                      <a16:colId xmlns:a16="http://schemas.microsoft.com/office/drawing/2014/main" xmlns="" val="20000"/>
+                      <a16:colId xmlns="" xmlns:a16="http://schemas.microsoft.com/office/drawing/2014/main" val="20000"/>
                     </a:ext>
                   </a:extLst>
                 </a:gridCol>
                 <a:gridCol w="2160240">
                   <a:extLst>
                     <a:ext uri="{9D8B030D-6E8A-4147-A177-3AD203B41FA5}">
-                      <a16:colId xmlns:a16="http://schemas.microsoft.com/office/drawing/2014/main" xmlns="" val="20001"/>
+                      <a16:colId xmlns="" xmlns:a16="http://schemas.microsoft.com/office/drawing/2014/main" val="20001"/>
                     </a:ext>
                   </a:extLst>
                 </a:gridCol>
                 <a:gridCol w="327277">
                   <a:extLst>
                     <a:ext uri="{9D8B030D-6E8A-4147-A177-3AD203B41FA5}">
-                      <a16:colId xmlns:a16="http://schemas.microsoft.com/office/drawing/2014/main" xmlns="" val="20002"/>
+                      <a16:colId xmlns="" xmlns:a16="http://schemas.microsoft.com/office/drawing/2014/main" val="20002"/>
                     </a:ext>
                   </a:extLst>
                 </a:gridCol>
@@ -33178,7 +33192,7 @@
                 </a:tc>
                 <a:extLst>
                   <a:ext uri="{0D108BD9-81ED-4DB2-BD59-A6C34878D82A}">
-                    <a16:rowId xmlns:a16="http://schemas.microsoft.com/office/drawing/2014/main" xmlns="" val="10000"/>
+                    <a16:rowId xmlns="" xmlns:a16="http://schemas.microsoft.com/office/drawing/2014/main" val="10000"/>
                   </a:ext>
                 </a:extLst>
               </a:tr>
@@ -33414,7 +33428,7 @@
                 </a:tc>
                 <a:extLst>
                   <a:ext uri="{0D108BD9-81ED-4DB2-BD59-A6C34878D82A}">
-                    <a16:rowId xmlns:a16="http://schemas.microsoft.com/office/drawing/2014/main" xmlns="" val="10001"/>
+                    <a16:rowId xmlns="" xmlns:a16="http://schemas.microsoft.com/office/drawing/2014/main" val="10001"/>
                   </a:ext>
                 </a:extLst>
               </a:tr>
@@ -33629,7 +33643,7 @@
                 </a:tc>
                 <a:extLst>
                   <a:ext uri="{0D108BD9-81ED-4DB2-BD59-A6C34878D82A}">
-                    <a16:rowId xmlns:a16="http://schemas.microsoft.com/office/drawing/2014/main" xmlns="" val="59618035"/>
+                    <a16:rowId xmlns="" xmlns:a16="http://schemas.microsoft.com/office/drawing/2014/main" val="59618035"/>
                   </a:ext>
                 </a:extLst>
               </a:tr>
@@ -33844,7 +33858,7 @@
                 </a:tc>
                 <a:extLst>
                   <a:ext uri="{0D108BD9-81ED-4DB2-BD59-A6C34878D82A}">
-                    <a16:rowId xmlns:a16="http://schemas.microsoft.com/office/drawing/2014/main" xmlns="" val="1760905486"/>
+                    <a16:rowId xmlns="" xmlns:a16="http://schemas.microsoft.com/office/drawing/2014/main" val="1760905486"/>
                   </a:ext>
                 </a:extLst>
               </a:tr>
@@ -34063,7 +34077,7 @@
                 </a:tc>
                 <a:extLst>
                   <a:ext uri="{0D108BD9-81ED-4DB2-BD59-A6C34878D82A}">
-                    <a16:rowId xmlns:a16="http://schemas.microsoft.com/office/drawing/2014/main" xmlns="" val="2662931107"/>
+                    <a16:rowId xmlns="" xmlns:a16="http://schemas.microsoft.com/office/drawing/2014/main" val="2662931107"/>
                   </a:ext>
                 </a:extLst>
               </a:tr>
@@ -34289,7 +34303,7 @@
                 </a:tc>
                 <a:extLst>
                   <a:ext uri="{0D108BD9-81ED-4DB2-BD59-A6C34878D82A}">
-                    <a16:rowId xmlns:a16="http://schemas.microsoft.com/office/drawing/2014/main" xmlns="" val="2826184942"/>
+                    <a16:rowId xmlns="" xmlns:a16="http://schemas.microsoft.com/office/drawing/2014/main" val="2826184942"/>
                   </a:ext>
                 </a:extLst>
               </a:tr>
@@ -34515,7 +34529,7 @@
                 </a:tc>
                 <a:extLst>
                   <a:ext uri="{0D108BD9-81ED-4DB2-BD59-A6C34878D82A}">
-                    <a16:rowId xmlns:a16="http://schemas.microsoft.com/office/drawing/2014/main" xmlns="" val="1119249548"/>
+                    <a16:rowId xmlns="" xmlns:a16="http://schemas.microsoft.com/office/drawing/2014/main" val="1119249548"/>
                   </a:ext>
                 </a:extLst>
               </a:tr>
@@ -34806,7 +34820,7 @@
                 </a:tc>
                 <a:extLst>
                   <a:ext uri="{0D108BD9-81ED-4DB2-BD59-A6C34878D82A}">
-                    <a16:rowId xmlns:a16="http://schemas.microsoft.com/office/drawing/2014/main" xmlns="" val="10007"/>
+                    <a16:rowId xmlns="" xmlns:a16="http://schemas.microsoft.com/office/drawing/2014/main" val="10007"/>
                   </a:ext>
                 </a:extLst>
               </a:tr>
